--- a/assets/3-cutpoints/graphics.pptx
+++ b/assets/3-cutpoints/graphics.pptx
@@ -262,7 +262,7 @@
           <a:p>
             <a:fld id="{72655A8C-91AA-4D4E-B51E-8D71BCCD0166}" type="datetimeFigureOut">
               <a:rPr lang="en-AU" smtClean="0"/>
-              <a:t>27/11/2023</a:t>
+              <a:t>28/11/2023</a:t>
             </a:fld>
             <a:endParaRPr lang="en-AU"/>
           </a:p>
@@ -462,7 +462,7 @@
           <a:p>
             <a:fld id="{72655A8C-91AA-4D4E-B51E-8D71BCCD0166}" type="datetimeFigureOut">
               <a:rPr lang="en-AU" smtClean="0"/>
-              <a:t>27/11/2023</a:t>
+              <a:t>28/11/2023</a:t>
             </a:fld>
             <a:endParaRPr lang="en-AU"/>
           </a:p>
@@ -672,7 +672,7 @@
           <a:p>
             <a:fld id="{72655A8C-91AA-4D4E-B51E-8D71BCCD0166}" type="datetimeFigureOut">
               <a:rPr lang="en-AU" smtClean="0"/>
-              <a:t>27/11/2023</a:t>
+              <a:t>28/11/2023</a:t>
             </a:fld>
             <a:endParaRPr lang="en-AU"/>
           </a:p>
@@ -872,7 +872,7 @@
           <a:p>
             <a:fld id="{72655A8C-91AA-4D4E-B51E-8D71BCCD0166}" type="datetimeFigureOut">
               <a:rPr lang="en-AU" smtClean="0"/>
-              <a:t>27/11/2023</a:t>
+              <a:t>28/11/2023</a:t>
             </a:fld>
             <a:endParaRPr lang="en-AU"/>
           </a:p>
@@ -1148,7 +1148,7 @@
           <a:p>
             <a:fld id="{72655A8C-91AA-4D4E-B51E-8D71BCCD0166}" type="datetimeFigureOut">
               <a:rPr lang="en-AU" smtClean="0"/>
-              <a:t>27/11/2023</a:t>
+              <a:t>28/11/2023</a:t>
             </a:fld>
             <a:endParaRPr lang="en-AU"/>
           </a:p>
@@ -1416,7 +1416,7 @@
           <a:p>
             <a:fld id="{72655A8C-91AA-4D4E-B51E-8D71BCCD0166}" type="datetimeFigureOut">
               <a:rPr lang="en-AU" smtClean="0"/>
-              <a:t>27/11/2023</a:t>
+              <a:t>28/11/2023</a:t>
             </a:fld>
             <a:endParaRPr lang="en-AU"/>
           </a:p>
@@ -1831,7 +1831,7 @@
           <a:p>
             <a:fld id="{72655A8C-91AA-4D4E-B51E-8D71BCCD0166}" type="datetimeFigureOut">
               <a:rPr lang="en-AU" smtClean="0"/>
-              <a:t>27/11/2023</a:t>
+              <a:t>28/11/2023</a:t>
             </a:fld>
             <a:endParaRPr lang="en-AU"/>
           </a:p>
@@ -1973,7 +1973,7 @@
           <a:p>
             <a:fld id="{72655A8C-91AA-4D4E-B51E-8D71BCCD0166}" type="datetimeFigureOut">
               <a:rPr lang="en-AU" smtClean="0"/>
-              <a:t>27/11/2023</a:t>
+              <a:t>28/11/2023</a:t>
             </a:fld>
             <a:endParaRPr lang="en-AU"/>
           </a:p>
@@ -2086,7 +2086,7 @@
           <a:p>
             <a:fld id="{72655A8C-91AA-4D4E-B51E-8D71BCCD0166}" type="datetimeFigureOut">
               <a:rPr lang="en-AU" smtClean="0"/>
-              <a:t>27/11/2023</a:t>
+              <a:t>28/11/2023</a:t>
             </a:fld>
             <a:endParaRPr lang="en-AU"/>
           </a:p>
@@ -2399,7 +2399,7 @@
           <a:p>
             <a:fld id="{72655A8C-91AA-4D4E-B51E-8D71BCCD0166}" type="datetimeFigureOut">
               <a:rPr lang="en-AU" smtClean="0"/>
-              <a:t>27/11/2023</a:t>
+              <a:t>28/11/2023</a:t>
             </a:fld>
             <a:endParaRPr lang="en-AU"/>
           </a:p>
@@ -2688,7 +2688,7 @@
           <a:p>
             <a:fld id="{72655A8C-91AA-4D4E-B51E-8D71BCCD0166}" type="datetimeFigureOut">
               <a:rPr lang="en-AU" smtClean="0"/>
-              <a:t>27/11/2023</a:t>
+              <a:t>28/11/2023</a:t>
             </a:fld>
             <a:endParaRPr lang="en-AU"/>
           </a:p>
@@ -2931,7 +2931,7 @@
           <a:p>
             <a:fld id="{72655A8C-91AA-4D4E-B51E-8D71BCCD0166}" type="datetimeFigureOut">
               <a:rPr lang="en-AU" smtClean="0"/>
-              <a:t>27/11/2023</a:t>
+              <a:t>28/11/2023</a:t>
             </a:fld>
             <a:endParaRPr lang="en-AU"/>
           </a:p>
@@ -3960,15 +3960,12 @@
               <a:p>
                 <a:pPr algn="ctr"/>
                 <a:r>
-                  <a:rPr lang="en-AU" b="1" dirty="0"/>
-                  <a:t>Treatment </a:t>
+                  <a:rPr lang="en-US" b="1" dirty="0"/>
+                  <a:t>L</a:t>
                 </a:r>
-                <a:br>
-                  <a:rPr lang="en-AU" b="1" dirty="0"/>
-                </a:br>
                 <a:r>
                   <a:rPr lang="en-AU" b="1" dirty="0"/>
-                  <a:t>A</a:t>
+                  <a:t>ow-risk group</a:t>
                 </a:r>
               </a:p>
             </p:txBody>
@@ -4003,15 +4000,16 @@
               <a:p>
                 <a:pPr algn="ctr"/>
                 <a:r>
-                  <a:rPr lang="en-AU" b="1" dirty="0"/>
-                  <a:t>Treatment</a:t>
+                  <a:rPr lang="en-US" b="1" dirty="0"/>
+                  <a:t>H</a:t>
                 </a:r>
-                <a:br>
-                  <a:rPr lang="en-AU" b="1" dirty="0"/>
-                </a:br>
+                <a:r>
+                  <a:rPr lang="en-AU" b="1" dirty="0" err="1"/>
+                  <a:t>igh</a:t>
+                </a:r>
                 <a:r>
                   <a:rPr lang="en-AU" b="1" dirty="0"/>
-                  <a:t>B</a:t>
+                  <a:t>-risk group</a:t>
                 </a:r>
               </a:p>
             </p:txBody>

--- a/assets/3-cutpoints/graphics.pptx
+++ b/assets/3-cutpoints/graphics.pptx
@@ -7,6 +7,7 @@
   <p:sldIdLst>
     <p:sldId id="256" r:id="rId2"/>
     <p:sldId id="257" r:id="rId3"/>
+    <p:sldId id="258" r:id="rId4"/>
   </p:sldIdLst>
   <p:sldSz cx="12192000" cy="6858000"/>
   <p:notesSz cx="6858000" cy="9144000"/>
@@ -111,6 +112,91 @@
     </p:ext>
   </p:extLst>
 </p:presentation>
+</file>
+
+<file path=ppt/revisionInfo.xml><?xml version="1.0" encoding="utf-8"?>
+<p1510:revInfo xmlns:a="http://schemas.openxmlformats.org/drawingml/2006/main" xmlns:r="http://schemas.openxmlformats.org/officeDocument/2006/relationships" xmlns:p1510="http://schemas.microsoft.com/office/powerpoint/2015/10/main">
+  <p1510:revLst>
+    <p1510:client id="{636D1B82-EE9C-42FD-855D-0DBA27CEBE69}" v="3" dt="2023-11-28T13:58:34.974"/>
+  </p1510:revLst>
+</p1510:revInfo>
+</file>
+
+<file path=ppt/changesInfos/changesInfo1.xml><?xml version="1.0" encoding="utf-8"?>
+<pc:chgInfo xmlns:a="http://schemas.openxmlformats.org/drawingml/2006/main" xmlns:r="http://schemas.openxmlformats.org/officeDocument/2006/relationships" xmlns:ac="http://schemas.microsoft.com/office/drawing/2013/main/command" xmlns:pc="http://schemas.microsoft.com/office/powerpoint/2013/main/command">
+  <pc:docChgLst>
+    <pc:chgData name="Rex Parsons" userId="c9ee1aae-a5be-48e0-83d4-54b649eee1f9" providerId="ADAL" clId="{636D1B82-EE9C-42FD-855D-0DBA27CEBE69}"/>
+    <pc:docChg chg="custSel addSld modSld">
+      <pc:chgData name="Rex Parsons" userId="c9ee1aae-a5be-48e0-83d4-54b649eee1f9" providerId="ADAL" clId="{636D1B82-EE9C-42FD-855D-0DBA27CEBE69}" dt="2023-11-28T13:58:34.974" v="14" actId="164"/>
+      <pc:docMkLst>
+        <pc:docMk/>
+      </pc:docMkLst>
+      <pc:sldChg chg="addSp delSp modSp new mod">
+        <pc:chgData name="Rex Parsons" userId="c9ee1aae-a5be-48e0-83d4-54b649eee1f9" providerId="ADAL" clId="{636D1B82-EE9C-42FD-855D-0DBA27CEBE69}" dt="2023-11-28T13:58:34.974" v="14" actId="164"/>
+        <pc:sldMkLst>
+          <pc:docMk/>
+          <pc:sldMk cId="3590189881" sldId="258"/>
+        </pc:sldMkLst>
+        <pc:spChg chg="del">
+          <ac:chgData name="Rex Parsons" userId="c9ee1aae-a5be-48e0-83d4-54b649eee1f9" providerId="ADAL" clId="{636D1B82-EE9C-42FD-855D-0DBA27CEBE69}" dt="2023-11-28T12:51:07.688" v="1" actId="478"/>
+          <ac:spMkLst>
+            <pc:docMk/>
+            <pc:sldMk cId="3590189881" sldId="258"/>
+            <ac:spMk id="2" creationId="{3D7A96BD-38EF-6802-EE3C-C323704688D6}"/>
+          </ac:spMkLst>
+        </pc:spChg>
+        <pc:spChg chg="del">
+          <ac:chgData name="Rex Parsons" userId="c9ee1aae-a5be-48e0-83d4-54b649eee1f9" providerId="ADAL" clId="{636D1B82-EE9C-42FD-855D-0DBA27CEBE69}" dt="2023-11-28T12:51:07.688" v="1" actId="478"/>
+          <ac:spMkLst>
+            <pc:docMk/>
+            <pc:sldMk cId="3590189881" sldId="258"/>
+            <ac:spMk id="3" creationId="{4CF2CC32-8B4C-40AB-0460-AF75BBC785C5}"/>
+          </ac:spMkLst>
+        </pc:spChg>
+        <pc:spChg chg="add del">
+          <ac:chgData name="Rex Parsons" userId="c9ee1aae-a5be-48e0-83d4-54b649eee1f9" providerId="ADAL" clId="{636D1B82-EE9C-42FD-855D-0DBA27CEBE69}" dt="2023-11-28T12:51:13.362" v="3" actId="478"/>
+          <ac:spMkLst>
+            <pc:docMk/>
+            <pc:sldMk cId="3590189881" sldId="258"/>
+            <ac:spMk id="5" creationId="{EDC8CD7B-FB15-520C-5176-6307AEF0E994}"/>
+          </ac:spMkLst>
+        </pc:spChg>
+        <pc:spChg chg="add mod">
+          <ac:chgData name="Rex Parsons" userId="c9ee1aae-a5be-48e0-83d4-54b649eee1f9" providerId="ADAL" clId="{636D1B82-EE9C-42FD-855D-0DBA27CEBE69}" dt="2023-11-28T13:58:34.974" v="14" actId="164"/>
+          <ac:spMkLst>
+            <pc:docMk/>
+            <pc:sldMk cId="3590189881" sldId="258"/>
+            <ac:spMk id="8" creationId="{B94A57BA-7F6B-D75A-31CE-964DBA8BA38E}"/>
+          </ac:spMkLst>
+        </pc:spChg>
+        <pc:spChg chg="add mod">
+          <ac:chgData name="Rex Parsons" userId="c9ee1aae-a5be-48e0-83d4-54b649eee1f9" providerId="ADAL" clId="{636D1B82-EE9C-42FD-855D-0DBA27CEBE69}" dt="2023-11-28T13:58:34.974" v="14" actId="164"/>
+          <ac:spMkLst>
+            <pc:docMk/>
+            <pc:sldMk cId="3590189881" sldId="258"/>
+            <ac:spMk id="9" creationId="{3348AD64-1389-08BC-7F3B-473EE4B792CE}"/>
+          </ac:spMkLst>
+        </pc:spChg>
+        <pc:grpChg chg="add mod">
+          <ac:chgData name="Rex Parsons" userId="c9ee1aae-a5be-48e0-83d4-54b649eee1f9" providerId="ADAL" clId="{636D1B82-EE9C-42FD-855D-0DBA27CEBE69}" dt="2023-11-28T13:58:34.974" v="14" actId="164"/>
+          <ac:grpSpMkLst>
+            <pc:docMk/>
+            <pc:sldMk cId="3590189881" sldId="258"/>
+            <ac:grpSpMk id="10" creationId="{35D723B8-34A4-7965-D456-D85921F58D2C}"/>
+          </ac:grpSpMkLst>
+        </pc:grpChg>
+        <pc:picChg chg="add mod">
+          <ac:chgData name="Rex Parsons" userId="c9ee1aae-a5be-48e0-83d4-54b649eee1f9" providerId="ADAL" clId="{636D1B82-EE9C-42FD-855D-0DBA27CEBE69}" dt="2023-11-28T13:58:34.974" v="14" actId="164"/>
+          <ac:picMkLst>
+            <pc:docMk/>
+            <pc:sldMk cId="3590189881" sldId="258"/>
+            <ac:picMk id="7" creationId="{A45CA3C0-EB96-38B5-3A00-A206455A6CB9}"/>
+          </ac:picMkLst>
+        </pc:picChg>
+      </pc:sldChg>
+    </pc:docChg>
+  </pc:docChgLst>
+</pc:chgInfo>
 </file>
 
 <file path=ppt/slideLayouts/slideLayout1.xml><?xml version="1.0" encoding="utf-8"?>
@@ -4087,6 +4173,177 @@
 </p:sld>
 </file>
 
+<file path=ppt/slides/slide3.xml><?xml version="1.0" encoding="utf-8"?>
+<p:sld xmlns:a="http://schemas.openxmlformats.org/drawingml/2006/main" xmlns:r="http://schemas.openxmlformats.org/officeDocument/2006/relationships" xmlns:p="http://schemas.openxmlformats.org/presentationml/2006/main">
+  <p:cSld>
+    <p:spTree>
+      <p:nvGrpSpPr>
+        <p:cNvPr id="1" name=""/>
+        <p:cNvGrpSpPr/>
+        <p:nvPr/>
+      </p:nvGrpSpPr>
+      <p:grpSpPr>
+        <a:xfrm>
+          <a:off x="0" y="0"/>
+          <a:ext cx="0" cy="0"/>
+          <a:chOff x="0" y="0"/>
+          <a:chExt cx="0" cy="0"/>
+        </a:xfrm>
+      </p:grpSpPr>
+      <p:grpSp>
+        <p:nvGrpSpPr>
+          <p:cNvPr id="10" name="Group 9">
+            <a:extLst>
+              <a:ext uri="{FF2B5EF4-FFF2-40B4-BE49-F238E27FC236}">
+                <a16:creationId xmlns:a16="http://schemas.microsoft.com/office/drawing/2014/main" id="{35D723B8-34A4-7965-D456-D85921F58D2C}"/>
+              </a:ext>
+            </a:extLst>
+          </p:cNvPr>
+          <p:cNvGrpSpPr/>
+          <p:nvPr/>
+        </p:nvGrpSpPr>
+        <p:grpSpPr>
+          <a:xfrm>
+            <a:off x="3704682" y="1789991"/>
+            <a:ext cx="4782636" cy="3278017"/>
+            <a:chOff x="3704682" y="1789991"/>
+            <a:chExt cx="4782636" cy="3278017"/>
+          </a:xfrm>
+        </p:grpSpPr>
+        <p:pic>
+          <p:nvPicPr>
+            <p:cNvPr id="7" name="Picture 6" descr="A line of sand with a crack in it&#10;&#10;Description automatically generated">
+              <a:extLst>
+                <a:ext uri="{FF2B5EF4-FFF2-40B4-BE49-F238E27FC236}">
+                  <a16:creationId xmlns:a16="http://schemas.microsoft.com/office/drawing/2014/main" id="{A45CA3C0-EB96-38B5-3A00-A206455A6CB9}"/>
+                </a:ext>
+              </a:extLst>
+            </p:cNvPr>
+            <p:cNvPicPr>
+              <a:picLocks noChangeAspect="1"/>
+            </p:cNvPicPr>
+            <p:nvPr/>
+          </p:nvPicPr>
+          <p:blipFill>
+            <a:blip r:embed="rId2">
+              <a:extLst>
+                <a:ext uri="{28A0092B-C50C-407E-A947-70E740481C1C}">
+                  <a14:useLocalDpi xmlns:a14="http://schemas.microsoft.com/office/drawing/2010/main" val="0"/>
+                </a:ext>
+              </a:extLst>
+            </a:blip>
+            <a:stretch>
+              <a:fillRect/>
+            </a:stretch>
+          </p:blipFill>
+          <p:spPr>
+            <a:xfrm>
+              <a:off x="3704682" y="1789991"/>
+              <a:ext cx="4782636" cy="3278017"/>
+            </a:xfrm>
+            <a:prstGeom prst="rect">
+              <a:avLst/>
+            </a:prstGeom>
+          </p:spPr>
+        </p:pic>
+        <p:sp>
+          <p:nvSpPr>
+            <p:cNvPr id="8" name="TextBox 7">
+              <a:extLst>
+                <a:ext uri="{FF2B5EF4-FFF2-40B4-BE49-F238E27FC236}">
+                  <a16:creationId xmlns:a16="http://schemas.microsoft.com/office/drawing/2014/main" id="{B94A57BA-7F6B-D75A-31CE-964DBA8BA38E}"/>
+                </a:ext>
+              </a:extLst>
+            </p:cNvPr>
+            <p:cNvSpPr txBox="1"/>
+            <p:nvPr/>
+          </p:nvSpPr>
+          <p:spPr>
+            <a:xfrm>
+              <a:off x="3907330" y="2560539"/>
+              <a:ext cx="1436915" cy="369332"/>
+            </a:xfrm>
+            <a:prstGeom prst="rect">
+              <a:avLst/>
+            </a:prstGeom>
+            <a:noFill/>
+          </p:spPr>
+          <p:txBody>
+            <a:bodyPr wrap="square" rtlCol="0">
+              <a:spAutoFit/>
+            </a:bodyPr>
+            <a:lstStyle/>
+            <a:p>
+              <a:pPr algn="ctr"/>
+              <a:r>
+                <a:rPr lang="en-US" b="1" dirty="0"/>
+                <a:t>L</a:t>
+              </a:r>
+              <a:r>
+                <a:rPr lang="en-AU" b="1" dirty="0"/>
+                <a:t>ow-risk</a:t>
+              </a:r>
+            </a:p>
+          </p:txBody>
+        </p:sp>
+        <p:sp>
+          <p:nvSpPr>
+            <p:cNvPr id="9" name="TextBox 8">
+              <a:extLst>
+                <a:ext uri="{FF2B5EF4-FFF2-40B4-BE49-F238E27FC236}">
+                  <a16:creationId xmlns:a16="http://schemas.microsoft.com/office/drawing/2014/main" id="{3348AD64-1389-08BC-7F3B-473EE4B792CE}"/>
+                </a:ext>
+              </a:extLst>
+            </p:cNvPr>
+            <p:cNvSpPr txBox="1"/>
+            <p:nvPr/>
+          </p:nvSpPr>
+          <p:spPr>
+            <a:xfrm>
+              <a:off x="6604729" y="2560539"/>
+              <a:ext cx="1436915" cy="369332"/>
+            </a:xfrm>
+            <a:prstGeom prst="rect">
+              <a:avLst/>
+            </a:prstGeom>
+            <a:noFill/>
+          </p:spPr>
+          <p:txBody>
+            <a:bodyPr wrap="square" rtlCol="0">
+              <a:spAutoFit/>
+            </a:bodyPr>
+            <a:lstStyle/>
+            <a:p>
+              <a:pPr algn="ctr"/>
+              <a:r>
+                <a:rPr lang="en-US" b="1" dirty="0"/>
+                <a:t>H</a:t>
+              </a:r>
+              <a:r>
+                <a:rPr lang="en-AU" b="1" dirty="0" err="1"/>
+                <a:t>igh</a:t>
+              </a:r>
+              <a:r>
+                <a:rPr lang="en-AU" b="1" dirty="0"/>
+                <a:t>-risk</a:t>
+              </a:r>
+            </a:p>
+          </p:txBody>
+        </p:sp>
+      </p:grpSp>
+    </p:spTree>
+    <p:extLst>
+      <p:ext uri="{BB962C8B-B14F-4D97-AF65-F5344CB8AC3E}">
+        <p14:creationId xmlns:p14="http://schemas.microsoft.com/office/powerpoint/2010/main" val="3590189881"/>
+      </p:ext>
+    </p:extLst>
+  </p:cSld>
+  <p:clrMapOvr>
+    <a:masterClrMapping/>
+  </p:clrMapOvr>
+</p:sld>
+</file>
+
 <file path=ppt/theme/theme1.xml><?xml version="1.0" encoding="utf-8"?>
 <a:theme xmlns:a="http://schemas.openxmlformats.org/drawingml/2006/main" name="Office Theme">
   <a:themeElements>
